--- a/ppt/presentation(hobsparcs).pptx
+++ b/ppt/presentation(hobsparcs).pptx
@@ -109,6 +109,11 @@
       </a:defRPr>
     </a:lvl9pPr>
   </p:defaultTextStyle>
+  <p:extLst>
+    <p:ext uri="{EFAFB233-063F-42B5-8137-9DF3F51BA10A}">
+      <p15:sldGuideLst xmlns:p15="http://schemas.microsoft.com/office/powerpoint/2012/main"/>
+    </p:ext>
+  </p:extLst>
 </p:presentation>
 </file>
 
@@ -5971,51 +5976,6 @@
       </p:cxnSp>
       <p:cxnSp>
         <p:nvCxnSpPr>
-          <p:cNvPr id="35" name="직선 화살표 연결선 34">
-            <a:extLst>
-              <a:ext uri="{FF2B5EF4-FFF2-40B4-BE49-F238E27FC236}">
-                <a16:creationId xmlns:a16="http://schemas.microsoft.com/office/drawing/2014/main" id="{FB337624-C903-2CCA-1815-47B71E4C7176}"/>
-              </a:ext>
-            </a:extLst>
-          </p:cNvPr>
-          <p:cNvCxnSpPr>
-            <a:cxnSpLocks/>
-          </p:cNvCxnSpPr>
-          <p:nvPr/>
-        </p:nvCxnSpPr>
-        <p:spPr>
-          <a:xfrm>
-            <a:off x="6960428" y="2009460"/>
-            <a:ext cx="1577035" cy="365632"/>
-          </a:xfrm>
-          <a:prstGeom prst="straightConnector1">
-            <a:avLst/>
-          </a:prstGeom>
-          <a:ln w="19050">
-            <a:solidFill>
-              <a:schemeClr val="accent2"/>
-            </a:solidFill>
-            <a:prstDash val="sysDot"/>
-            <a:tailEnd type="triangle"/>
-          </a:ln>
-        </p:spPr>
-        <p:style>
-          <a:lnRef idx="1">
-            <a:schemeClr val="accent1"/>
-          </a:lnRef>
-          <a:fillRef idx="0">
-            <a:schemeClr val="accent1"/>
-          </a:fillRef>
-          <a:effectRef idx="0">
-            <a:schemeClr val="accent1"/>
-          </a:effectRef>
-          <a:fontRef idx="minor">
-            <a:schemeClr val="tx1"/>
-          </a:fontRef>
-        </p:style>
-      </p:cxnSp>
-      <p:cxnSp>
-        <p:nvCxnSpPr>
           <p:cNvPr id="37" name="직선 화살표 연결선 36">
             <a:extLst>
               <a:ext uri="{FF2B5EF4-FFF2-40B4-BE49-F238E27FC236}">
